--- a/Ways to Read a Text.pptx
+++ b/Ways to Read a Text.pptx
@@ -838,21 +838,13 @@
           <a:p>
             <a:r>
               <a:rPr lang="en-US" dirty="0" smtClean="0"/>
-              <a:t>Any differences</a:t>
-            </a:r>
-            <a:r>
-              <a:rPr lang="en-US" dirty="0" smtClean="0"/>
-              <a:t>?</a:t>
+              <a:t>Any differences?</a:t>
             </a:r>
           </a:p>
           <a:p>
             <a:r>
               <a:rPr lang="en-US" dirty="0" smtClean="0"/>
               <a:t>Other questions?</a:t>
-            </a:r>
-            <a:r>
-              <a:rPr lang="en-US" dirty="0" smtClean="0"/>
-              <a:t/>
             </a:r>
             <a:br>
               <a:rPr lang="en-US" dirty="0" smtClean="0"/>
@@ -893,11 +885,7 @@
             </a:r>
             <a:r>
               <a:rPr lang="en-US" baseline="0" dirty="0" smtClean="0"/>
-              <a:t> plural</a:t>
-            </a:r>
-            <a:r>
-              <a:rPr lang="en-US" baseline="0" dirty="0" smtClean="0"/>
-              <a:t>.</a:t>
+              <a:t> plural.</a:t>
             </a:r>
           </a:p>
           <a:p>
@@ -1214,11 +1202,7 @@
             </a:r>
             <a:r>
               <a:rPr lang="en-US" baseline="0" dirty="0" smtClean="0"/>
-              <a:t> similar to the others</a:t>
-            </a:r>
-            <a:r>
-              <a:rPr lang="en-US" baseline="0" dirty="0" smtClean="0"/>
-              <a:t>? How might you tell?</a:t>
+              <a:t> similar to the others? How might you tell?</a:t>
             </a:r>
             <a:endParaRPr lang="en-US" dirty="0"/>
           </a:p>
@@ -1325,11 +1309,7 @@
           <a:p>
             <a:r>
               <a:rPr lang="en-US" baseline="0" dirty="0" smtClean="0"/>
-              <a:t>B’s relationship to C: shares 5 terms (counting 0’s</a:t>
-            </a:r>
-            <a:r>
-              <a:rPr lang="en-US" baseline="0" dirty="0" smtClean="0"/>
-              <a:t>)</a:t>
+              <a:t>B’s relationship to C: shares 5 terms (counting 0’s)</a:t>
             </a:r>
           </a:p>
           <a:p>
@@ -1447,11 +1427,7 @@
           <a:p>
             <a:r>
               <a:rPr lang="en-US" dirty="0" err="1" smtClean="0"/>
-              <a:t>voyant</a:t>
-            </a:r>
-            <a:r>
-              <a:rPr lang="en-US" dirty="0" err="1" smtClean="0"/>
-              <a:t>-tools.org</a:t>
+              <a:t>voyant-tools.org</a:t>
             </a:r>
             <a:endParaRPr lang="en-US" dirty="0"/>
           </a:p>
@@ -1672,11 +1648,7 @@
           <a:p>
             <a:r>
               <a:rPr lang="en-US" dirty="0" smtClean="0"/>
-              <a:t>Explain </a:t>
-            </a:r>
-            <a:r>
-              <a:rPr lang="en-US" dirty="0" smtClean="0"/>
-              <a:t>what </a:t>
+              <a:t>Explain what </a:t>
             </a:r>
             <a:r>
               <a:rPr lang="en-US" dirty="0" err="1" smtClean="0"/>
@@ -1997,11 +1969,7 @@
             </a:r>
             <a:r>
               <a:rPr lang="en-US" baseline="0" dirty="0" smtClean="0"/>
-              <a:t> list </a:t>
-            </a:r>
-            <a:r>
-              <a:rPr lang="en-US" baseline="0" dirty="0" smtClean="0"/>
-              <a:t>basically.</a:t>
+              <a:t> list basically.</a:t>
             </a:r>
           </a:p>
           <a:p>
@@ -2112,11 +2080,7 @@
           <a:p>
             <a:r>
               <a:rPr lang="en-US" baseline="0" dirty="0" smtClean="0"/>
-              <a:t>Text </a:t>
-            </a:r>
-            <a:r>
-              <a:rPr lang="en-US" baseline="0" dirty="0" smtClean="0"/>
-              <a:t>1 – Jack the Ripper, newspaper article</a:t>
+              <a:t>Text 1 – Jack the Ripper, newspaper article</a:t>
             </a:r>
           </a:p>
           <a:p>
@@ -2136,11 +2100,7 @@
             </a:r>
             <a:r>
               <a:rPr lang="en-US" baseline="0" dirty="0" smtClean="0"/>
-              <a:t>/sections/health-shots/2016/09/13/493289511/doctors-test-drones-to-speed-up-delivery-of-lab-</a:t>
-            </a:r>
-            <a:r>
-              <a:rPr lang="en-US" baseline="0" dirty="0" smtClean="0"/>
-              <a:t>tests</a:t>
+              <a:t>/sections/health-shots/2016/09/13/493289511/doctors-test-drones-to-speed-up-delivery-of-lab-tests</a:t>
             </a:r>
           </a:p>
           <a:p>
@@ -2148,7 +2108,6 @@
               <a:rPr lang="en-US" baseline="0" dirty="0" smtClean="0"/>
               <a:t>What did you find?</a:t>
             </a:r>
-            <a:endParaRPr lang="en-US" baseline="0" dirty="0" smtClean="0"/>
           </a:p>
         </p:txBody>
       </p:sp>
@@ -2489,11 +2448,7 @@
             </a:r>
             <a:r>
               <a:rPr lang="en-US" baseline="0" dirty="0" smtClean="0"/>
-              <a:t> is text 1 </a:t>
-            </a:r>
-            <a:r>
-              <a:rPr lang="en-US" baseline="0" dirty="0" smtClean="0"/>
-              <a:t>in order. I ran it through a program – </a:t>
+              <a:t> is text 1 in order. I ran it through a program – </a:t>
             </a:r>
             <a:r>
               <a:rPr lang="en-US" baseline="0" dirty="0" err="1" smtClean="0"/>
@@ -2784,6 +2739,18 @@
           </a:p>
           <a:p>
             <a:r>
+              <a:rPr lang="en-US" smtClean="0"/>
+              <a:t>Their</a:t>
+            </a:r>
+            <a:r>
+              <a:rPr lang="en-US" baseline="0" smtClean="0"/>
+              <a:t> words - </a:t>
+            </a:r>
+            <a:r>
+              <a:rPr lang="en-US" smtClean="0"/>
+              <a:t>“</a:t>
+            </a:r>
+            <a:r>
               <a:rPr lang="en-US" dirty="0" smtClean="0"/>
               <a:t>What </a:t>
             </a:r>
@@ -2797,7 +2764,11 @@
             </a:r>
             <a:r>
               <a:rPr lang="en-US" dirty="0" smtClean="0"/>
-              <a:t> approached within seven miles of Richmond during the Peninsula Campaign. (Jefferson Davis's coachman, William A. Jackson, was one of the slaves who ran to the Union army that spring.) Two summers later Grant's Overland Campaign brought Union armies near Richmond. The graph registers how during each of those summers enslaved men and women used to opportunity offered by relative proximity of the Union armies—which we might think of as a mobile North, bringing the free states closer to men and women enslaved in the South—to attempt to escape from bondage. A third spike at the end of 1861 is less explicable, and we'll return to it in a moment.</a:t>
+              <a:t> approached within seven miles of Richmond during the Peninsula Campaign. (Jefferson Davis's coachman, William A. Jackson, was one of the slaves who ran to the Union army that spring.) Two summers later Grant's Overland Campaign brought Union armies near Richmond. The graph registers how during each of those summers enslaved men and women used to opportunity offered by relative proximity of the Union armies—which we might think of as a mobile North, bringing the free states closer to men and women enslaved in the South—to attempt to escape from bondage. A third spike at the end of 1861 is less explicable, and we'll return to it in a moment</a:t>
+            </a:r>
+            <a:r>
+              <a:rPr lang="en-US" dirty="0" smtClean="0"/>
+              <a:t>.”</a:t>
             </a:r>
             <a:endParaRPr lang="en-US" dirty="0"/>
           </a:p>
@@ -3819,19 +3790,11 @@
           <a:p>
             <a:r>
               <a:rPr lang="en-US" dirty="0" smtClean="0"/>
-              <a:t>Note </a:t>
-            </a:r>
-            <a:r>
-              <a:rPr lang="en-US" dirty="0" smtClean="0"/>
-              <a:t>in particular that Fahrenheit</a:t>
+              <a:t>Note in particular that Fahrenheit</a:t>
             </a:r>
             <a:r>
               <a:rPr lang="en-US" baseline="0" dirty="0" smtClean="0"/>
-              <a:t> 451 appears to be the happiest</a:t>
-            </a:r>
-            <a:r>
-              <a:rPr lang="en-US" baseline="0" dirty="0" smtClean="0"/>
-              <a:t>.</a:t>
+              <a:t> 451 appears to be the happiest.</a:t>
             </a:r>
           </a:p>
           <a:p>
@@ -3931,11 +3894,7 @@
           <a:p>
             <a:r>
               <a:rPr lang="en-US" dirty="0" smtClean="0"/>
-              <a:t>What can you do with sentiment analysis</a:t>
-            </a:r>
-            <a:r>
-              <a:rPr lang="en-US" dirty="0" smtClean="0"/>
-              <a:t>?</a:t>
+              <a:t>What can you do with sentiment analysis?</a:t>
             </a:r>
           </a:p>
           <a:p>
@@ -9649,21 +9608,8 @@
           <a:p>
             <a:r>
               <a:rPr lang="en-US" dirty="0" smtClean="0"/>
-              <a:t>What are they about? </a:t>
-            </a:r>
-            <a:r>
-              <a:rPr lang="en-US" dirty="0" smtClean="0"/>
-              <a:t>Pick </a:t>
-            </a:r>
-            <a:r>
-              <a:rPr lang="en-US" dirty="0" smtClean="0"/>
-              <a:t>3 themes or </a:t>
-            </a:r>
-            <a:r>
-              <a:rPr lang="en-US" dirty="0" smtClean="0"/>
-              <a:t>topics for each text. Texts can share topics.</a:t>
-            </a:r>
-            <a:endParaRPr lang="en-US" dirty="0" smtClean="0"/>
+              <a:t>What are they about? Pick 3 themes or topics for each text. Texts can share topics.</a:t>
+            </a:r>
           </a:p>
           <a:p>
             <a:r>
@@ -10214,7 +10160,6 @@
               <a:rPr lang="en-US" dirty="0"/>
               <a:t>/dispatch/topics/view/15</a:t>
             </a:r>
-            <a:endParaRPr lang="en-US" dirty="0"/>
           </a:p>
         </p:txBody>
       </p:sp>
@@ -11489,13 +11434,8 @@
           <a:p>
             <a:r>
               <a:rPr lang="en-US" dirty="0" smtClean="0"/>
-              <a:t>Assign numerical values to the words then add up the numbers for each paragraph</a:t>
-            </a:r>
-            <a:r>
-              <a:rPr lang="en-US" dirty="0" smtClean="0"/>
-              <a:t>. Average them all at the end for each paragraph.</a:t>
-            </a:r>
-            <a:endParaRPr lang="en-US" dirty="0" smtClean="0"/>
+              <a:t>Assign numerical values to the words then add up the numbers for each paragraph. Average them all at the end for each paragraph.</a:t>
+            </a:r>
           </a:p>
           <a:p>
             <a:r>

--- a/Ways to Read a Text.pptx
+++ b/Ways to Read a Text.pptx
@@ -233,7 +233,7 @@
           <a:p>
             <a:fld id="{D35F8EC2-548C-D74C-9CA6-7F5E0D341CB3}" type="datetimeFigureOut">
               <a:rPr lang="en-US" smtClean="0"/>
-              <a:t>9/20/16</a:t>
+              <a:t>12/1/17</a:t>
             </a:fld>
             <a:endParaRPr lang="en-US"/>
           </a:p>
@@ -2752,11 +2752,7 @@
             </a:r>
             <a:r>
               <a:rPr lang="en-US" dirty="0" smtClean="0"/>
-              <a:t>What </a:t>
-            </a:r>
-            <a:r>
-              <a:rPr lang="en-US" dirty="0" smtClean="0"/>
-              <a:t>conclusions can we make from this kind of distant reading and draw from this graph specifically? For one, I think, this graph underscores the role of the Union army in presenting enslaved African Americans with opportunities—risky opportunities—to seize their freedom by running to the Yankee lines. There are two sustained spikes in the number of fugitive slave ads, the first in the summer of 1862 and the second in the summer of 1864. At both of those moments the Union army approached Richmond. In 1862 the Union army under </a:t>
+              <a:t>What conclusions can we make from this kind of distant reading and draw from this graph specifically? For one, I think, this graph underscores the role of the Union army in presenting enslaved African Americans with opportunities—risky opportunities—to seize their freedom by running to the Yankee lines. There are two sustained spikes in the number of fugitive slave ads, the first in the summer of 1862 and the second in the summer of 1864. At both of those moments the Union army approached Richmond. In 1862 the Union army under </a:t>
             </a:r>
             <a:r>
               <a:rPr lang="en-US" dirty="0" err="1" smtClean="0"/>
@@ -2764,11 +2760,7 @@
             </a:r>
             <a:r>
               <a:rPr lang="en-US" dirty="0" smtClean="0"/>
-              <a:t> approached within seven miles of Richmond during the Peninsula Campaign. (Jefferson Davis's coachman, William A. Jackson, was one of the slaves who ran to the Union army that spring.) Two summers later Grant's Overland Campaign brought Union armies near Richmond. The graph registers how during each of those summers enslaved men and women used to opportunity offered by relative proximity of the Union armies—which we might think of as a mobile North, bringing the free states closer to men and women enslaved in the South—to attempt to escape from bondage. A third spike at the end of 1861 is less explicable, and we'll return to it in a moment</a:t>
-            </a:r>
-            <a:r>
-              <a:rPr lang="en-US" dirty="0" smtClean="0"/>
-              <a:t>.”</a:t>
+              <a:t> approached within seven miles of Richmond during the Peninsula Campaign. (Jefferson Davis's coachman, William A. Jackson, was one of the slaves who ran to the Union army that spring.) Two summers later Grant's Overland Campaign brought Union armies near Richmond. The graph registers how during each of those summers enslaved men and women used to opportunity offered by relative proximity of the Union armies—which we might think of as a mobile North, bringing the free states closer to men and women enslaved in the South—to attempt to escape from bondage. A third spike at the end of 1861 is less explicable, and we'll return to it in a moment.”</a:t>
             </a:r>
             <a:endParaRPr lang="en-US" dirty="0"/>
           </a:p>
@@ -4829,7 +4821,7 @@
           <a:p>
             <a:fld id="{AC0FE2FB-E465-BA4A-ADDB-9C5DA3362E28}" type="datetimeFigureOut">
               <a:rPr lang="en-US" smtClean="0"/>
-              <a:t>9/20/16</a:t>
+              <a:t>12/1/17</a:t>
             </a:fld>
             <a:endParaRPr lang="en-US"/>
           </a:p>
@@ -4999,7 +4991,7 @@
           <a:p>
             <a:fld id="{AC0FE2FB-E465-BA4A-ADDB-9C5DA3362E28}" type="datetimeFigureOut">
               <a:rPr lang="en-US" smtClean="0"/>
-              <a:t>9/20/16</a:t>
+              <a:t>12/1/17</a:t>
             </a:fld>
             <a:endParaRPr lang="en-US"/>
           </a:p>
@@ -5179,7 +5171,7 @@
           <a:p>
             <a:fld id="{AC0FE2FB-E465-BA4A-ADDB-9C5DA3362E28}" type="datetimeFigureOut">
               <a:rPr lang="en-US" smtClean="0"/>
-              <a:t>9/20/16</a:t>
+              <a:t>12/1/17</a:t>
             </a:fld>
             <a:endParaRPr lang="en-US"/>
           </a:p>
@@ -5349,7 +5341,7 @@
           <a:p>
             <a:fld id="{AC0FE2FB-E465-BA4A-ADDB-9C5DA3362E28}" type="datetimeFigureOut">
               <a:rPr lang="en-US" smtClean="0"/>
-              <a:t>9/20/16</a:t>
+              <a:t>12/1/17</a:t>
             </a:fld>
             <a:endParaRPr lang="en-US"/>
           </a:p>
@@ -5595,7 +5587,7 @@
           <a:p>
             <a:fld id="{AC0FE2FB-E465-BA4A-ADDB-9C5DA3362E28}" type="datetimeFigureOut">
               <a:rPr lang="en-US" smtClean="0"/>
-              <a:t>9/20/16</a:t>
+              <a:t>12/1/17</a:t>
             </a:fld>
             <a:endParaRPr lang="en-US"/>
           </a:p>
@@ -5883,7 +5875,7 @@
           <a:p>
             <a:fld id="{AC0FE2FB-E465-BA4A-ADDB-9C5DA3362E28}" type="datetimeFigureOut">
               <a:rPr lang="en-US" smtClean="0"/>
-              <a:t>9/20/16</a:t>
+              <a:t>12/1/17</a:t>
             </a:fld>
             <a:endParaRPr lang="en-US"/>
           </a:p>
@@ -6305,7 +6297,7 @@
           <a:p>
             <a:fld id="{AC0FE2FB-E465-BA4A-ADDB-9C5DA3362E28}" type="datetimeFigureOut">
               <a:rPr lang="en-US" smtClean="0"/>
-              <a:t>9/20/16</a:t>
+              <a:t>12/1/17</a:t>
             </a:fld>
             <a:endParaRPr lang="en-US"/>
           </a:p>
@@ -6423,7 +6415,7 @@
           <a:p>
             <a:fld id="{AC0FE2FB-E465-BA4A-ADDB-9C5DA3362E28}" type="datetimeFigureOut">
               <a:rPr lang="en-US" smtClean="0"/>
-              <a:t>9/20/16</a:t>
+              <a:t>12/1/17</a:t>
             </a:fld>
             <a:endParaRPr lang="en-US"/>
           </a:p>
@@ -6518,7 +6510,7 @@
           <a:p>
             <a:fld id="{AC0FE2FB-E465-BA4A-ADDB-9C5DA3362E28}" type="datetimeFigureOut">
               <a:rPr lang="en-US" smtClean="0"/>
-              <a:t>9/20/16</a:t>
+              <a:t>12/1/17</a:t>
             </a:fld>
             <a:endParaRPr lang="en-US"/>
           </a:p>
@@ -6795,7 +6787,7 @@
           <a:p>
             <a:fld id="{AC0FE2FB-E465-BA4A-ADDB-9C5DA3362E28}" type="datetimeFigureOut">
               <a:rPr lang="en-US" smtClean="0"/>
-              <a:t>9/20/16</a:t>
+              <a:t>12/1/17</a:t>
             </a:fld>
             <a:endParaRPr lang="en-US"/>
           </a:p>
@@ -7048,7 +7040,7 @@
           <a:p>
             <a:fld id="{AC0FE2FB-E465-BA4A-ADDB-9C5DA3362E28}" type="datetimeFigureOut">
               <a:rPr lang="en-US" smtClean="0"/>
-              <a:t>9/20/16</a:t>
+              <a:t>12/1/17</a:t>
             </a:fld>
             <a:endParaRPr lang="en-US"/>
           </a:p>
@@ -7261,7 +7253,7 @@
           <a:p>
             <a:fld id="{AC0FE2FB-E465-BA4A-ADDB-9C5DA3362E28}" type="datetimeFigureOut">
               <a:rPr lang="en-US" smtClean="0"/>
-              <a:t>9/20/16</a:t>
+              <a:t>12/1/17</a:t>
             </a:fld>
             <a:endParaRPr lang="en-US"/>
           </a:p>
@@ -11111,8 +11103,17 @@
             </a:r>
             <a:r>
               <a:rPr lang="en-US" sz="2500" dirty="0" smtClean="0"/>
-              <a:t>orst			sad! / negative / 0</a:t>
-            </a:r>
+              <a:t>orst			sad! / negative </a:t>
+            </a:r>
+            <a:r>
+              <a:rPr lang="en-US" sz="2500" smtClean="0"/>
+              <a:t>/ </a:t>
+            </a:r>
+            <a:r>
+              <a:rPr lang="en-US" sz="2500" smtClean="0"/>
+              <a:t>-1</a:t>
+            </a:r>
+            <a:endParaRPr lang="en-US" sz="2500" dirty="0" smtClean="0"/>
           </a:p>
           <a:p>
             <a:r>
